--- a/Evolution and History of Programming Languages.pptx
+++ b/Evolution and History of Programming Languages.pptx
@@ -13,7 +13,8 @@
     <p:sldId id="260" r:id="rId7"/>
     <p:sldId id="263" r:id="rId8"/>
     <p:sldId id="265" r:id="rId9"/>
-    <p:sldId id="266" r:id="rId10"/>
+    <p:sldId id="267" r:id="rId10"/>
+    <p:sldId id="266" r:id="rId11"/>
   </p:sldIdLst>
   <p:sldSz cx="12192000" cy="6858000"/>
   <p:notesSz cx="6858000" cy="9144000"/>
@@ -20669,6 +20670,106 @@
 </p:sld>
 </file>
 
+<file path=ppt/slides/slide10.xml><?xml version="1.0" encoding="utf-8"?>
+<p:sld xmlns:a="http://schemas.openxmlformats.org/drawingml/2006/main" xmlns:r="http://schemas.openxmlformats.org/officeDocument/2006/relationships" xmlns:p="http://schemas.openxmlformats.org/presentationml/2006/main">
+  <p:cSld>
+    <p:spTree>
+      <p:nvGrpSpPr>
+        <p:cNvPr id="1" name=""/>
+        <p:cNvGrpSpPr/>
+        <p:nvPr/>
+      </p:nvGrpSpPr>
+      <p:grpSpPr>
+        <a:xfrm>
+          <a:off x="0" y="0"/>
+          <a:ext cx="0" cy="0"/>
+          <a:chOff x="0" y="0"/>
+          <a:chExt cx="0" cy="0"/>
+        </a:xfrm>
+      </p:grpSpPr>
+      <p:sp>
+        <p:nvSpPr>
+          <p:cNvPr id="2" name="Title 1"/>
+          <p:cNvSpPr>
+            <a:spLocks noGrp="1"/>
+          </p:cNvSpPr>
+          <p:nvPr>
+            <p:ph type="title"/>
+          </p:nvPr>
+        </p:nvSpPr>
+        <p:spPr/>
+        <p:txBody>
+          <a:bodyPr/>
+          <a:lstStyle/>
+          <a:p>
+            <a:endParaRPr lang="en-US"/>
+          </a:p>
+        </p:txBody>
+      </p:sp>
+      <p:sp>
+        <p:nvSpPr>
+          <p:cNvPr id="3" name="Content Placeholder 2"/>
+          <p:cNvSpPr>
+            <a:spLocks noGrp="1"/>
+          </p:cNvSpPr>
+          <p:nvPr>
+            <p:ph idx="1"/>
+          </p:nvPr>
+        </p:nvSpPr>
+        <p:spPr/>
+        <p:txBody>
+          <a:bodyPr>
+            <a:normAutofit fontScale="85000" lnSpcReduction="10000"/>
+          </a:bodyPr>
+          <a:lstStyle/>
+          <a:p>
+            <a:r>
+              <a:rPr lang="en-US" dirty="0"/>
+              <a:t>Scripting Programming Language</a:t>
+            </a:r>
+          </a:p>
+          <a:p>
+            <a:r>
+              <a:rPr lang="en-US" dirty="0"/>
+              <a:t>These programming languages are often procedural and may comprise object-oriented language elements, but they fall into their own category as they are normally not full-fledged programming languages with support for development of large systems. For example, they may not have compile-time type checking. Usually, these languages require tiny syntax to get started.</a:t>
+            </a:r>
+          </a:p>
+          <a:p>
+            <a:r>
+              <a:rPr lang="en-US" dirty="0"/>
+              <a:t>Logic Programming Language</a:t>
+            </a:r>
+          </a:p>
+          <a:p>
+            <a:r>
+              <a:rPr lang="en-US" dirty="0"/>
+              <a:t>These types of languages let programmers  make declarative statements and then allow the machine to reason about the consequences of those statements. In a sense, this language doesn’t tell the computer how to do something, but employing restrictions on what it must consider doing.</a:t>
+            </a:r>
+          </a:p>
+          <a:p>
+            <a:r>
+              <a:rPr lang="en-US" dirty="0"/>
+              <a:t>To call these groups ” types  of language ” is really a bit confusing. It’s easy to program in an object-oriented style in C language. In truth, most of the languages include ideas and features from various domains, which only helps to increase the  usefulness of these types of languages. Nevertheless, most of the programming languages do not best in all styles of programming.</a:t>
+            </a:r>
+          </a:p>
+          <a:p>
+            <a:endParaRPr lang="en-US" dirty="0"/>
+          </a:p>
+        </p:txBody>
+      </p:sp>
+    </p:spTree>
+    <p:extLst>
+      <p:ext uri="{BB962C8B-B14F-4D97-AF65-F5344CB8AC3E}">
+        <p14:creationId xmlns:p14="http://schemas.microsoft.com/office/powerpoint/2010/main" val="3997132785"/>
+      </p:ext>
+    </p:extLst>
+  </p:cSld>
+  <p:clrMapOvr>
+    <a:masterClrMapping/>
+  </p:clrMapOvr>
+</p:sld>
+</file>
+
 <file path=ppt/slides/slide2.xml><?xml version="1.0" encoding="utf-8"?>
 <p:sld xmlns:a="http://schemas.openxmlformats.org/drawingml/2006/main" xmlns:r="http://schemas.openxmlformats.org/officeDocument/2006/relationships" xmlns:p="http://schemas.openxmlformats.org/presentationml/2006/main">
   <p:cSld>
@@ -22456,6 +22557,12 @@
 <file path=ppt/slides/slide9.xml><?xml version="1.0" encoding="utf-8"?>
 <p:sld xmlns:a="http://schemas.openxmlformats.org/drawingml/2006/main" xmlns:r="http://schemas.openxmlformats.org/officeDocument/2006/relationships" xmlns:p="http://schemas.openxmlformats.org/presentationml/2006/main">
   <p:cSld>
+    <p:bg>
+      <p:bgPr>
+        <a:noFill/>
+        <a:effectLst/>
+      </p:bgPr>
+    </p:bg>
     <p:spTree>
       <p:nvGrpSpPr>
         <p:cNvPr id="1" name=""/>
@@ -22470,80 +22577,1141 @@
           <a:chExt cx="0" cy="0"/>
         </a:xfrm>
       </p:grpSpPr>
-      <p:sp>
-        <p:nvSpPr>
-          <p:cNvPr id="2" name="Title 1"/>
-          <p:cNvSpPr>
-            <a:spLocks noGrp="1"/>
-          </p:cNvSpPr>
-          <p:nvPr>
-            <p:ph type="title"/>
-          </p:nvPr>
-        </p:nvSpPr>
-        <p:spPr/>
-        <p:txBody>
-          <a:bodyPr/>
-          <a:lstStyle/>
-          <a:p>
-            <a:endParaRPr lang="en-US"/>
-          </a:p>
-        </p:txBody>
-      </p:sp>
-      <p:sp>
-        <p:nvSpPr>
-          <p:cNvPr id="3" name="Content Placeholder 2"/>
-          <p:cNvSpPr>
-            <a:spLocks noGrp="1"/>
-          </p:cNvSpPr>
+      <p:graphicFrame>
+        <p:nvGraphicFramePr>
+          <p:cNvPr id="7" name="Content Placeholder 6"/>
+          <p:cNvGraphicFramePr>
+            <a:graphicFrameLocks noGrp="1"/>
+          </p:cNvGraphicFramePr>
           <p:nvPr>
             <p:ph idx="1"/>
+            <p:extLst>
+              <p:ext uri="{D42A27DB-BD31-4B8C-83A1-F6EECF244321}">
+                <p14:modId xmlns:p14="http://schemas.microsoft.com/office/powerpoint/2010/main" val="4247832316"/>
+              </p:ext>
+            </p:extLst>
           </p:nvPr>
-        </p:nvSpPr>
-        <p:spPr/>
-        <p:txBody>
-          <a:bodyPr>
-            <a:normAutofit fontScale="85000" lnSpcReduction="10000"/>
-          </a:bodyPr>
-          <a:lstStyle/>
-          <a:p>
-            <a:r>
-              <a:rPr lang="en-US" dirty="0"/>
-              <a:t>Scripting Programming Language</a:t>
-            </a:r>
-          </a:p>
-          <a:p>
-            <a:r>
-              <a:rPr lang="en-US" dirty="0"/>
-              <a:t>These programming languages are often procedural and may comprise object-oriented language elements, but they fall into their own category as they are normally not full-fledged programming languages with support for development of large systems. For example, they may not have compile-time type checking. Usually, these languages require tiny syntax to get started.</a:t>
-            </a:r>
-          </a:p>
-          <a:p>
-            <a:r>
-              <a:rPr lang="en-US" dirty="0"/>
-              <a:t>Logic Programming Language</a:t>
-            </a:r>
-          </a:p>
-          <a:p>
-            <a:r>
-              <a:rPr lang="en-US" dirty="0"/>
-              <a:t>These types of languages let programmers  make declarative statements and then allow the machine to reason about the consequences of those statements. In a sense, this language doesn’t tell the computer how to do something, but employing restrictions on what it must consider doing.</a:t>
-            </a:r>
-          </a:p>
-          <a:p>
-            <a:r>
-              <a:rPr lang="en-US" dirty="0"/>
-              <a:t>To call these groups ” types  of language ” is really a bit confusing. It’s easy to program in an object-oriented style in C language. In truth, most of the languages include ideas and features from various domains, which only helps to increase the  usefulness of these types of languages. Nevertheless, most of the programming languages do not best in all styles of programming.</a:t>
-            </a:r>
-          </a:p>
-          <a:p>
-            <a:endParaRPr lang="en-US" dirty="0"/>
-          </a:p>
-        </p:txBody>
-      </p:sp>
+        </p:nvGraphicFramePr>
+        <p:xfrm>
+          <a:off x="541420" y="589549"/>
+          <a:ext cx="9983269" cy="7750188"/>
+        </p:xfrm>
+        <a:graphic>
+          <a:graphicData uri="http://schemas.openxmlformats.org/drawingml/2006/table">
+            <a:tbl>
+              <a:tblPr>
+                <a:tableStyleId>{5C22544A-7EE6-4342-B048-85BDC9FD1C3A}</a:tableStyleId>
+              </a:tblPr>
+              <a:tblGrid>
+                <a:gridCol w="2107977"/>
+                <a:gridCol w="2107977"/>
+                <a:gridCol w="2107977"/>
+                <a:gridCol w="1355719"/>
+                <a:gridCol w="2303619"/>
+              </a:tblGrid>
+              <a:tr h="229641">
+                <a:tc>
+                  <a:txBody>
+                    <a:bodyPr/>
+                    <a:lstStyle/>
+                    <a:p>
+                      <a:pPr algn="l" fontAlgn="b"/>
+                      <a:r>
+                        <a:rPr lang="en-US" sz="1400" u="none" strike="noStrike">
+                          <a:effectLst/>
+                        </a:rPr>
+                        <a:t>Paradigm</a:t>
+                      </a:r>
+                      <a:endParaRPr lang="en-US" sz="1400" b="0" i="0" u="none" strike="noStrike">
+                        <a:solidFill>
+                          <a:srgbClr val="000000"/>
+                        </a:solidFill>
+                        <a:effectLst/>
+                        <a:latin typeface="Calibri" panose="020F0502020204030204" pitchFamily="34" charset="0"/>
+                      </a:endParaRPr>
+                    </a:p>
+                  </a:txBody>
+                  <a:tcPr marL="7692" marR="7692" marT="7692" marB="0" anchor="b"/>
+                </a:tc>
+                <a:tc>
+                  <a:txBody>
+                    <a:bodyPr/>
+                    <a:lstStyle/>
+                    <a:p>
+                      <a:pPr algn="ctr" fontAlgn="ctr"/>
+                      <a:r>
+                        <a:rPr lang="en-US" sz="1400" u="none" strike="noStrike">
+                          <a:effectLst/>
+                        </a:rPr>
+                        <a:t>Description</a:t>
+                      </a:r>
+                      <a:endParaRPr lang="en-US" sz="1400" b="1" i="0" u="none" strike="noStrike">
+                        <a:solidFill>
+                          <a:srgbClr val="222222"/>
+                        </a:solidFill>
+                        <a:effectLst/>
+                        <a:latin typeface="Arial" panose="020B0604020202020204" pitchFamily="34" charset="0"/>
+                      </a:endParaRPr>
+                    </a:p>
+                  </a:txBody>
+                  <a:tcPr marL="7692" marR="7692" marT="7692" marB="0" anchor="ctr"/>
+                </a:tc>
+                <a:tc>
+                  <a:txBody>
+                    <a:bodyPr/>
+                    <a:lstStyle/>
+                    <a:p>
+                      <a:pPr algn="ctr" fontAlgn="ctr"/>
+                      <a:r>
+                        <a:rPr lang="en-US" sz="1400" u="none" strike="noStrike">
+                          <a:effectLst/>
+                        </a:rPr>
+                        <a:t>Main traits</a:t>
+                      </a:r>
+                      <a:endParaRPr lang="en-US" sz="1400" b="1" i="0" u="none" strike="noStrike">
+                        <a:solidFill>
+                          <a:srgbClr val="222222"/>
+                        </a:solidFill>
+                        <a:effectLst/>
+                        <a:latin typeface="Arial" panose="020B0604020202020204" pitchFamily="34" charset="0"/>
+                      </a:endParaRPr>
+                    </a:p>
+                  </a:txBody>
+                  <a:tcPr marL="7692" marR="7692" marT="7692" marB="0" anchor="ctr"/>
+                </a:tc>
+                <a:tc>
+                  <a:txBody>
+                    <a:bodyPr/>
+                    <a:lstStyle/>
+                    <a:p>
+                      <a:pPr algn="ctr" fontAlgn="ctr"/>
+                      <a:r>
+                        <a:rPr lang="en-US" sz="1400" u="none" strike="noStrike">
+                          <a:effectLst/>
+                        </a:rPr>
+                        <a:t>Related paradigm(s)</a:t>
+                      </a:r>
+                      <a:endParaRPr lang="en-US" sz="1400" b="1" i="0" u="none" strike="noStrike">
+                        <a:solidFill>
+                          <a:srgbClr val="222222"/>
+                        </a:solidFill>
+                        <a:effectLst/>
+                        <a:latin typeface="Arial" panose="020B0604020202020204" pitchFamily="34" charset="0"/>
+                      </a:endParaRPr>
+                    </a:p>
+                  </a:txBody>
+                  <a:tcPr marL="7692" marR="7692" marT="7692" marB="0" anchor="ctr"/>
+                </a:tc>
+                <a:tc>
+                  <a:txBody>
+                    <a:bodyPr/>
+                    <a:lstStyle/>
+                    <a:p>
+                      <a:pPr algn="ctr" fontAlgn="ctr"/>
+                      <a:r>
+                        <a:rPr lang="en-US" sz="1400" u="none" strike="noStrike">
+                          <a:effectLst/>
+                        </a:rPr>
+                        <a:t>Examples</a:t>
+                      </a:r>
+                      <a:endParaRPr lang="en-US" sz="1400" b="1" i="0" u="none" strike="noStrike">
+                        <a:solidFill>
+                          <a:srgbClr val="222222"/>
+                        </a:solidFill>
+                        <a:effectLst/>
+                        <a:latin typeface="Arial" panose="020B0604020202020204" pitchFamily="34" charset="0"/>
+                      </a:endParaRPr>
+                    </a:p>
+                  </a:txBody>
+                  <a:tcPr marL="7692" marR="7692" marT="7692" marB="0" anchor="ctr"/>
+                </a:tc>
+              </a:tr>
+              <a:tr h="634249">
+                <a:tc>
+                  <a:txBody>
+                    <a:bodyPr/>
+                    <a:lstStyle/>
+                    <a:p>
+                      <a:pPr algn="l" fontAlgn="b"/>
+                      <a:r>
+                        <a:rPr lang="en-US" sz="1400" u="none" strike="noStrike">
+                          <a:effectLst/>
+                        </a:rPr>
+                        <a:t>Imperative</a:t>
+                      </a:r>
+                      <a:endParaRPr lang="en-US" sz="1400" b="0" i="0" u="none" strike="noStrike">
+                        <a:solidFill>
+                          <a:srgbClr val="000000"/>
+                        </a:solidFill>
+                        <a:effectLst/>
+                        <a:latin typeface="Calibri" panose="020F0502020204030204" pitchFamily="34" charset="0"/>
+                      </a:endParaRPr>
+                    </a:p>
+                  </a:txBody>
+                  <a:tcPr marL="7692" marR="7692" marT="7692" marB="0" anchor="b"/>
+                </a:tc>
+                <a:tc>
+                  <a:txBody>
+                    <a:bodyPr/>
+                    <a:lstStyle/>
+                    <a:p>
+                      <a:pPr algn="l" fontAlgn="ctr"/>
+                      <a:r>
+                        <a:rPr lang="en-US" sz="1400" u="none" strike="noStrike">
+                          <a:effectLst/>
+                        </a:rPr>
+                        <a:t>Programs as statementsthat directly change computed state(datafields)</a:t>
+                      </a:r>
+                      <a:endParaRPr lang="en-US" sz="1400" b="0" i="0" u="none" strike="noStrike">
+                        <a:solidFill>
+                          <a:srgbClr val="222222"/>
+                        </a:solidFill>
+                        <a:effectLst/>
+                        <a:latin typeface="Arial" panose="020B0604020202020204" pitchFamily="34" charset="0"/>
+                      </a:endParaRPr>
+                    </a:p>
+                  </a:txBody>
+                  <a:tcPr marL="7692" marR="7692" marT="7692" marB="0" anchor="ctr"/>
+                </a:tc>
+                <a:tc>
+                  <a:txBody>
+                    <a:bodyPr/>
+                    <a:lstStyle/>
+                    <a:p>
+                      <a:pPr algn="l" fontAlgn="ctr"/>
+                      <a:r>
+                        <a:rPr lang="en-US" sz="1400" u="none" strike="noStrike">
+                          <a:effectLst/>
+                        </a:rPr>
+                        <a:t>Direct assignments, common data structures, global variables</a:t>
+                      </a:r>
+                      <a:endParaRPr lang="en-US" sz="1400" b="0" i="0" u="none" strike="noStrike">
+                        <a:solidFill>
+                          <a:srgbClr val="222222"/>
+                        </a:solidFill>
+                        <a:effectLst/>
+                        <a:latin typeface="Arial" panose="020B0604020202020204" pitchFamily="34" charset="0"/>
+                      </a:endParaRPr>
+                    </a:p>
+                  </a:txBody>
+                  <a:tcPr marL="7692" marR="7692" marT="7692" marB="0" anchor="ctr"/>
+                </a:tc>
+                <a:tc>
+                  <a:txBody>
+                    <a:bodyPr/>
+                    <a:lstStyle/>
+                    <a:p>
+                      <a:pPr algn="l" fontAlgn="ctr"/>
+                      <a:r>
+                        <a:rPr lang="en-US" sz="1400" u="none" strike="noStrike">
+                          <a:effectLst/>
+                        </a:rPr>
+                        <a:t> </a:t>
+                      </a:r>
+                      <a:endParaRPr lang="en-US" sz="1400" b="0" i="0" u="none" strike="noStrike">
+                        <a:solidFill>
+                          <a:srgbClr val="222222"/>
+                        </a:solidFill>
+                        <a:effectLst/>
+                        <a:latin typeface="Arial" panose="020B0604020202020204" pitchFamily="34" charset="0"/>
+                      </a:endParaRPr>
+                    </a:p>
+                  </a:txBody>
+                  <a:tcPr marL="7692" marR="7692" marT="7692" marB="0" anchor="ctr"/>
+                </a:tc>
+                <a:tc>
+                  <a:txBody>
+                    <a:bodyPr/>
+                    <a:lstStyle/>
+                    <a:p>
+                      <a:pPr algn="l" fontAlgn="ctr"/>
+                      <a:r>
+                        <a:rPr lang="en-US" sz="1400" u="none" strike="noStrike">
+                          <a:effectLst/>
+                        </a:rPr>
+                        <a:t>C, C++, Java, Kotlin, PHP, Python, Ruby</a:t>
+                      </a:r>
+                      <a:endParaRPr lang="en-US" sz="1400" b="0" i="0" u="none" strike="noStrike">
+                        <a:solidFill>
+                          <a:srgbClr val="0B0080"/>
+                        </a:solidFill>
+                        <a:effectLst/>
+                        <a:latin typeface="Arial" panose="020B0604020202020204" pitchFamily="34" charset="0"/>
+                      </a:endParaRPr>
+                    </a:p>
+                  </a:txBody>
+                  <a:tcPr marL="7692" marR="7692" marT="7692" marB="0" anchor="ctr"/>
+                </a:tc>
+              </a:tr>
+              <a:tr h="426478">
+                <a:tc>
+                  <a:txBody>
+                    <a:bodyPr/>
+                    <a:lstStyle/>
+                    <a:p>
+                      <a:pPr algn="l" fontAlgn="b"/>
+                      <a:r>
+                        <a:rPr lang="en-US" sz="1400" u="none" strike="noStrike">
+                          <a:effectLst/>
+                        </a:rPr>
+                        <a:t>Structured</a:t>
+                      </a:r>
+                      <a:endParaRPr lang="en-US" sz="1400" b="0" i="0" u="none" strike="noStrike">
+                        <a:solidFill>
+                          <a:srgbClr val="000000"/>
+                        </a:solidFill>
+                        <a:effectLst/>
+                        <a:latin typeface="Calibri" panose="020F0502020204030204" pitchFamily="34" charset="0"/>
+                      </a:endParaRPr>
+                    </a:p>
+                  </a:txBody>
+                  <a:tcPr marL="7692" marR="7692" marT="7692" marB="0" anchor="b"/>
+                </a:tc>
+                <a:tc>
+                  <a:txBody>
+                    <a:bodyPr/>
+                    <a:lstStyle/>
+                    <a:p>
+                      <a:pPr algn="l" fontAlgn="b"/>
+                      <a:r>
+                        <a:rPr lang="en-US" sz="1400" u="none" strike="noStrike">
+                          <a:effectLst/>
+                        </a:rPr>
+                        <a:t>A style of imperative programming with more logical program structure</a:t>
+                      </a:r>
+                      <a:endParaRPr lang="en-US" sz="1400" b="0" i="0" u="none" strike="noStrike">
+                        <a:solidFill>
+                          <a:srgbClr val="000000"/>
+                        </a:solidFill>
+                        <a:effectLst/>
+                        <a:latin typeface="Calibri" panose="020F0502020204030204" pitchFamily="34" charset="0"/>
+                      </a:endParaRPr>
+                    </a:p>
+                  </a:txBody>
+                  <a:tcPr marL="7692" marR="7692" marT="7692" marB="0" anchor="b"/>
+                </a:tc>
+                <a:tc>
+                  <a:txBody>
+                    <a:bodyPr/>
+                    <a:lstStyle/>
+                    <a:p>
+                      <a:pPr algn="l" fontAlgn="ctr"/>
+                      <a:r>
+                        <a:rPr lang="en-US" sz="1400" u="none" strike="noStrike">
+                          <a:effectLst/>
+                        </a:rPr>
+                        <a:t>Structograms, indentation, no or limited use of goto statements</a:t>
+                      </a:r>
+                      <a:endParaRPr lang="en-US" sz="1400" b="0" i="0" u="none" strike="noStrike">
+                        <a:solidFill>
+                          <a:srgbClr val="0B0080"/>
+                        </a:solidFill>
+                        <a:effectLst/>
+                        <a:latin typeface="Arial" panose="020B0604020202020204" pitchFamily="34" charset="0"/>
+                      </a:endParaRPr>
+                    </a:p>
+                  </a:txBody>
+                  <a:tcPr marL="7692" marR="7692" marT="7692" marB="0" anchor="ctr"/>
+                </a:tc>
+                <a:tc>
+                  <a:txBody>
+                    <a:bodyPr/>
+                    <a:lstStyle/>
+                    <a:p>
+                      <a:pPr algn="l" fontAlgn="ctr"/>
+                      <a:r>
+                        <a:rPr lang="en-US" sz="1400" u="none" strike="noStrike">
+                          <a:effectLst/>
+                        </a:rPr>
+                        <a:t>Imperative</a:t>
+                      </a:r>
+                      <a:endParaRPr lang="en-US" sz="1400" b="0" i="0" u="none" strike="noStrike">
+                        <a:solidFill>
+                          <a:srgbClr val="222222"/>
+                        </a:solidFill>
+                        <a:effectLst/>
+                        <a:latin typeface="Arial" panose="020B0604020202020204" pitchFamily="34" charset="0"/>
+                      </a:endParaRPr>
+                    </a:p>
+                  </a:txBody>
+                  <a:tcPr marL="7692" marR="7692" marT="7692" marB="0" anchor="ctr"/>
+                </a:tc>
+                <a:tc>
+                  <a:txBody>
+                    <a:bodyPr/>
+                    <a:lstStyle/>
+                    <a:p>
+                      <a:pPr algn="l" fontAlgn="ctr"/>
+                      <a:r>
+                        <a:rPr lang="fi-FI" sz="1400" u="none" strike="noStrike">
+                          <a:effectLst/>
+                        </a:rPr>
+                        <a:t>C, C++, Java, Kotlin, PHP, Python</a:t>
+                      </a:r>
+                      <a:endParaRPr lang="fi-FI" sz="1400" b="0" i="0" u="none" strike="noStrike">
+                        <a:solidFill>
+                          <a:srgbClr val="0B0080"/>
+                        </a:solidFill>
+                        <a:effectLst/>
+                        <a:latin typeface="Arial" panose="020B0604020202020204" pitchFamily="34" charset="0"/>
+                      </a:endParaRPr>
+                    </a:p>
+                  </a:txBody>
+                  <a:tcPr marL="7692" marR="7692" marT="7692" marB="0" anchor="ctr"/>
+                </a:tc>
+              </a:tr>
+              <a:tr h="634249">
+                <a:tc>
+                  <a:txBody>
+                    <a:bodyPr/>
+                    <a:lstStyle/>
+                    <a:p>
+                      <a:pPr algn="l" fontAlgn="b"/>
+                      <a:r>
+                        <a:rPr lang="en-US" sz="1400" u="none" strike="noStrike">
+                          <a:effectLst/>
+                        </a:rPr>
+                        <a:t>Procedural</a:t>
+                      </a:r>
+                      <a:endParaRPr lang="en-US" sz="1400" b="0" i="0" u="none" strike="noStrike">
+                        <a:solidFill>
+                          <a:srgbClr val="000000"/>
+                        </a:solidFill>
+                        <a:effectLst/>
+                        <a:latin typeface="Calibri" panose="020F0502020204030204" pitchFamily="34" charset="0"/>
+                      </a:endParaRPr>
+                    </a:p>
+                  </a:txBody>
+                  <a:tcPr marL="7692" marR="7692" marT="7692" marB="0" anchor="b"/>
+                </a:tc>
+                <a:tc>
+                  <a:txBody>
+                    <a:bodyPr/>
+                    <a:lstStyle/>
+                    <a:p>
+                      <a:pPr algn="l" fontAlgn="b"/>
+                      <a:r>
+                        <a:rPr lang="en-US" sz="1400" u="none" strike="noStrike">
+                          <a:effectLst/>
+                        </a:rPr>
+                        <a:t>Derived from structured programming, based on the concept of modular programming or the procedure call</a:t>
+                      </a:r>
+                      <a:endParaRPr lang="en-US" sz="1400" b="0" i="0" u="none" strike="noStrike">
+                        <a:solidFill>
+                          <a:srgbClr val="000000"/>
+                        </a:solidFill>
+                        <a:effectLst/>
+                        <a:latin typeface="Calibri" panose="020F0502020204030204" pitchFamily="34" charset="0"/>
+                      </a:endParaRPr>
+                    </a:p>
+                  </a:txBody>
+                  <a:tcPr marL="7692" marR="7692" marT="7692" marB="0" anchor="b"/>
+                </a:tc>
+                <a:tc>
+                  <a:txBody>
+                    <a:bodyPr/>
+                    <a:lstStyle/>
+                    <a:p>
+                      <a:pPr algn="l" fontAlgn="ctr"/>
+                      <a:r>
+                        <a:rPr lang="en-US" sz="1400" u="none" strike="noStrike">
+                          <a:effectLst/>
+                        </a:rPr>
+                        <a:t>Local variables, sequence, selection, iteration, and modularization</a:t>
+                      </a:r>
+                      <a:endParaRPr lang="en-US" sz="1400" b="0" i="0" u="none" strike="noStrike">
+                        <a:solidFill>
+                          <a:srgbClr val="0B0080"/>
+                        </a:solidFill>
+                        <a:effectLst/>
+                        <a:latin typeface="Arial" panose="020B0604020202020204" pitchFamily="34" charset="0"/>
+                      </a:endParaRPr>
+                    </a:p>
+                  </a:txBody>
+                  <a:tcPr marL="7692" marR="7692" marT="7692" marB="0" anchor="ctr"/>
+                </a:tc>
+                <a:tc>
+                  <a:txBody>
+                    <a:bodyPr/>
+                    <a:lstStyle/>
+                    <a:p>
+                      <a:pPr algn="l" fontAlgn="ctr"/>
+                      <a:r>
+                        <a:rPr lang="en-US" sz="1400" u="none" strike="noStrike">
+                          <a:effectLst/>
+                        </a:rPr>
+                        <a:t>Structured, imperative</a:t>
+                      </a:r>
+                      <a:endParaRPr lang="en-US" sz="1400" b="0" i="0" u="none" strike="noStrike">
+                        <a:solidFill>
+                          <a:srgbClr val="222222"/>
+                        </a:solidFill>
+                        <a:effectLst/>
+                        <a:latin typeface="Arial" panose="020B0604020202020204" pitchFamily="34" charset="0"/>
+                      </a:endParaRPr>
+                    </a:p>
+                  </a:txBody>
+                  <a:tcPr marL="7692" marR="7692" marT="7692" marB="0" anchor="ctr"/>
+                </a:tc>
+                <a:tc>
+                  <a:txBody>
+                    <a:bodyPr/>
+                    <a:lstStyle/>
+                    <a:p>
+                      <a:pPr algn="l" fontAlgn="ctr"/>
+                      <a:r>
+                        <a:rPr lang="en-US" sz="1400" u="none" strike="noStrike">
+                          <a:effectLst/>
+                        </a:rPr>
+                        <a:t>C, C++, Lisp, PHP, Python</a:t>
+                      </a:r>
+                      <a:endParaRPr lang="en-US" sz="1400" b="0" i="0" u="none" strike="noStrike">
+                        <a:solidFill>
+                          <a:srgbClr val="0B0080"/>
+                        </a:solidFill>
+                        <a:effectLst/>
+                        <a:latin typeface="Arial" panose="020B0604020202020204" pitchFamily="34" charset="0"/>
+                      </a:endParaRPr>
+                    </a:p>
+                  </a:txBody>
+                  <a:tcPr marL="7692" marR="7692" marT="7692" marB="0" anchor="ctr"/>
+                </a:tc>
+              </a:tr>
+              <a:tr h="842021">
+                <a:tc>
+                  <a:txBody>
+                    <a:bodyPr/>
+                    <a:lstStyle/>
+                    <a:p>
+                      <a:pPr algn="l" fontAlgn="b"/>
+                      <a:r>
+                        <a:rPr lang="en-US" sz="1400" u="none" strike="noStrike">
+                          <a:effectLst/>
+                        </a:rPr>
+                        <a:t>Functional</a:t>
+                      </a:r>
+                      <a:endParaRPr lang="en-US" sz="1400" b="0" i="0" u="none" strike="noStrike">
+                        <a:solidFill>
+                          <a:srgbClr val="000000"/>
+                        </a:solidFill>
+                        <a:effectLst/>
+                        <a:latin typeface="Calibri" panose="020F0502020204030204" pitchFamily="34" charset="0"/>
+                      </a:endParaRPr>
+                    </a:p>
+                  </a:txBody>
+                  <a:tcPr marL="7692" marR="7692" marT="7692" marB="0" anchor="b"/>
+                </a:tc>
+                <a:tc>
+                  <a:txBody>
+                    <a:bodyPr/>
+                    <a:lstStyle/>
+                    <a:p>
+                      <a:pPr algn="l" fontAlgn="ctr"/>
+                      <a:r>
+                        <a:rPr lang="en-US" sz="1400" u="none" strike="noStrike">
+                          <a:effectLst/>
+                        </a:rPr>
+                        <a:t>Treats computation as the evaluation of mathematical functionsavoiding state and mutable data</a:t>
+                      </a:r>
+                      <a:endParaRPr lang="en-US" sz="1400" b="0" i="0" u="none" strike="noStrike">
+                        <a:solidFill>
+                          <a:srgbClr val="222222"/>
+                        </a:solidFill>
+                        <a:effectLst/>
+                        <a:latin typeface="Arial" panose="020B0604020202020204" pitchFamily="34" charset="0"/>
+                      </a:endParaRPr>
+                    </a:p>
+                  </a:txBody>
+                  <a:tcPr marL="7692" marR="7692" marT="7692" marB="0" anchor="ctr"/>
+                </a:tc>
+                <a:tc>
+                  <a:txBody>
+                    <a:bodyPr/>
+                    <a:lstStyle/>
+                    <a:p>
+                      <a:pPr algn="l" fontAlgn="ctr"/>
+                      <a:r>
+                        <a:rPr lang="en-US" sz="1400" u="none" strike="noStrike">
+                          <a:effectLst/>
+                        </a:rPr>
+                        <a:t>Lambda calculus, compositionality, formula, recursion, referential transparency, no side effects</a:t>
+                      </a:r>
+                      <a:endParaRPr lang="en-US" sz="1400" b="0" i="0" u="none" strike="noStrike">
+                        <a:solidFill>
+                          <a:srgbClr val="0B0080"/>
+                        </a:solidFill>
+                        <a:effectLst/>
+                        <a:latin typeface="Arial" panose="020B0604020202020204" pitchFamily="34" charset="0"/>
+                      </a:endParaRPr>
+                    </a:p>
+                  </a:txBody>
+                  <a:tcPr marL="7692" marR="7692" marT="7692" marB="0" anchor="ctr"/>
+                </a:tc>
+                <a:tc>
+                  <a:txBody>
+                    <a:bodyPr/>
+                    <a:lstStyle/>
+                    <a:p>
+                      <a:pPr algn="l" fontAlgn="ctr"/>
+                      <a:r>
+                        <a:rPr lang="en-US" sz="1400" u="none" strike="noStrike">
+                          <a:effectLst/>
+                        </a:rPr>
+                        <a:t>Declarative</a:t>
+                      </a:r>
+                      <a:endParaRPr lang="en-US" sz="1400" b="0" i="0" u="none" strike="noStrike">
+                        <a:solidFill>
+                          <a:srgbClr val="222222"/>
+                        </a:solidFill>
+                        <a:effectLst/>
+                        <a:latin typeface="Arial" panose="020B0604020202020204" pitchFamily="34" charset="0"/>
+                      </a:endParaRPr>
+                    </a:p>
+                  </a:txBody>
+                  <a:tcPr marL="7692" marR="7692" marT="7692" marB="0" anchor="ctr"/>
+                </a:tc>
+                <a:tc>
+                  <a:txBody>
+                    <a:bodyPr/>
+                    <a:lstStyle/>
+                    <a:p>
+                      <a:pPr algn="l" fontAlgn="ctr"/>
+                      <a:r>
+                        <a:rPr lang="en-US" sz="1400" u="none" strike="noStrike">
+                          <a:effectLst/>
+                        </a:rPr>
+                        <a:t>C++,</a:t>
+                      </a:r>
+                      <a:r>
+                        <a:rPr lang="en-US" sz="1400" u="none" strike="noStrike" baseline="30000">
+                          <a:effectLst/>
+                        </a:rPr>
+                        <a:t>[1]</a:t>
+                      </a:r>
+                      <a:r>
+                        <a:rPr lang="en-US" sz="1400" u="none" strike="noStrike">
+                          <a:effectLst/>
+                        </a:rPr>
+                        <a:t> Clojure, Coffeescript,</a:t>
+                      </a:r>
+                      <a:r>
+                        <a:rPr lang="en-US" sz="1400" u="none" strike="noStrike" baseline="30000">
+                          <a:effectLst/>
+                        </a:rPr>
+                        <a:t>[2]</a:t>
+                      </a:r>
+                      <a:r>
+                        <a:rPr lang="en-US" sz="1400" u="none" strike="noStrike">
+                          <a:effectLst/>
+                        </a:rPr>
+                        <a:t> Elixir, Erlang, F#, Haskell, Java (since version 8), Kotlin, Lisp, Python, R,</a:t>
+                      </a:r>
+                      <a:r>
+                        <a:rPr lang="en-US" sz="1400" u="none" strike="noStrike" baseline="30000">
+                          <a:effectLst/>
+                        </a:rPr>
+                        <a:t>[3]</a:t>
+                      </a:r>
+                      <a:r>
+                        <a:rPr lang="en-US" sz="1400" u="none" strike="noStrike">
+                          <a:effectLst/>
+                        </a:rPr>
+                        <a:t> Ruby, Scala, SequenceL, Standard ML, JavaScript</a:t>
+                      </a:r>
+                      <a:endParaRPr lang="en-US" sz="1400" b="0" i="0" u="none" strike="noStrike">
+                        <a:solidFill>
+                          <a:srgbClr val="0B0080"/>
+                        </a:solidFill>
+                        <a:effectLst/>
+                        <a:latin typeface="Arial" panose="020B0604020202020204" pitchFamily="34" charset="0"/>
+                      </a:endParaRPr>
+                    </a:p>
+                  </a:txBody>
+                  <a:tcPr marL="7692" marR="7692" marT="7692" marB="0" anchor="ctr"/>
+                </a:tc>
+              </a:tr>
+              <a:tr h="634249">
+                <a:tc>
+                  <a:txBody>
+                    <a:bodyPr/>
+                    <a:lstStyle/>
+                    <a:p>
+                      <a:pPr algn="ctr" fontAlgn="ctr"/>
+                      <a:r>
+                        <a:rPr lang="en-US" sz="1400" u="none" strike="noStrike">
+                          <a:effectLst/>
+                        </a:rPr>
+                        <a:t>Event-drivenincluding time-driven</a:t>
+                      </a:r>
+                      <a:endParaRPr lang="en-US" sz="1400" b="1" i="0" u="none" strike="noStrike">
+                        <a:solidFill>
+                          <a:srgbClr val="0B0080"/>
+                        </a:solidFill>
+                        <a:effectLst/>
+                        <a:latin typeface="Arial" panose="020B0604020202020204" pitchFamily="34" charset="0"/>
+                      </a:endParaRPr>
+                    </a:p>
+                  </a:txBody>
+                  <a:tcPr marL="7692" marR="7692" marT="7692" marB="0" anchor="ctr"/>
+                </a:tc>
+                <a:tc>
+                  <a:txBody>
+                    <a:bodyPr/>
+                    <a:lstStyle/>
+                    <a:p>
+                      <a:pPr algn="l" fontAlgn="ctr"/>
+                      <a:r>
+                        <a:rPr lang="en-US" sz="1400" u="none" strike="noStrike">
+                          <a:effectLst/>
+                        </a:rPr>
+                        <a:t>Control flow is determined mainly by events, such as mouse clicks or interrupts including timer</a:t>
+                      </a:r>
+                      <a:endParaRPr lang="en-US" sz="1400" b="0" i="0" u="none" strike="noStrike">
+                        <a:solidFill>
+                          <a:srgbClr val="0B0080"/>
+                        </a:solidFill>
+                        <a:effectLst/>
+                        <a:latin typeface="Arial" panose="020B0604020202020204" pitchFamily="34" charset="0"/>
+                      </a:endParaRPr>
+                    </a:p>
+                  </a:txBody>
+                  <a:tcPr marL="7692" marR="7692" marT="7692" marB="0" anchor="ctr"/>
+                </a:tc>
+                <a:tc>
+                  <a:txBody>
+                    <a:bodyPr/>
+                    <a:lstStyle/>
+                    <a:p>
+                      <a:pPr algn="l" fontAlgn="ctr"/>
+                      <a:r>
+                        <a:rPr lang="en-US" sz="1400" u="none" strike="noStrike">
+                          <a:effectLst/>
+                        </a:rPr>
+                        <a:t>Main loop, event handlers, asynchronous processes</a:t>
+                      </a:r>
+                      <a:endParaRPr lang="en-US" sz="1400" b="0" i="0" u="none" strike="noStrike">
+                        <a:solidFill>
+                          <a:srgbClr val="0B0080"/>
+                        </a:solidFill>
+                        <a:effectLst/>
+                        <a:latin typeface="Arial" panose="020B0604020202020204" pitchFamily="34" charset="0"/>
+                      </a:endParaRPr>
+                    </a:p>
+                  </a:txBody>
+                  <a:tcPr marL="7692" marR="7692" marT="7692" marB="0" anchor="ctr"/>
+                </a:tc>
+                <a:tc>
+                  <a:txBody>
+                    <a:bodyPr/>
+                    <a:lstStyle/>
+                    <a:p>
+                      <a:pPr algn="l" fontAlgn="b"/>
+                      <a:r>
+                        <a:rPr lang="en-US" sz="1400" u="none" strike="noStrike">
+                          <a:effectLst/>
+                        </a:rPr>
+                        <a:t>Procedural, dataflow</a:t>
+                      </a:r>
+                      <a:endParaRPr lang="en-US" sz="1400" b="0" i="0" u="none" strike="noStrike">
+                        <a:solidFill>
+                          <a:srgbClr val="000000"/>
+                        </a:solidFill>
+                        <a:effectLst/>
+                        <a:latin typeface="Calibri" panose="020F0502020204030204" pitchFamily="34" charset="0"/>
+                      </a:endParaRPr>
+                    </a:p>
+                  </a:txBody>
+                  <a:tcPr marL="7692" marR="7692" marT="7692" marB="0" anchor="b"/>
+                </a:tc>
+                <a:tc>
+                  <a:txBody>
+                    <a:bodyPr/>
+                    <a:lstStyle/>
+                    <a:p>
+                      <a:pPr algn="l" fontAlgn="ctr"/>
+                      <a:r>
+                        <a:rPr lang="en-US" sz="1400" u="none" strike="noStrike">
+                          <a:effectLst/>
+                        </a:rPr>
+                        <a:t>JavaScript, ActionScript, Visual Basic, Elm</a:t>
+                      </a:r>
+                      <a:endParaRPr lang="en-US" sz="1400" b="0" i="0" u="none" strike="noStrike">
+                        <a:solidFill>
+                          <a:srgbClr val="0B0080"/>
+                        </a:solidFill>
+                        <a:effectLst/>
+                        <a:latin typeface="Arial" panose="020B0604020202020204" pitchFamily="34" charset="0"/>
+                      </a:endParaRPr>
+                    </a:p>
+                  </a:txBody>
+                  <a:tcPr marL="7692" marR="7692" marT="7692" marB="0" anchor="ctr"/>
+                </a:tc>
+              </a:tr>
+              <a:tr h="1049792">
+                <a:tc>
+                  <a:txBody>
+                    <a:bodyPr/>
+                    <a:lstStyle/>
+                    <a:p>
+                      <a:pPr algn="l" fontAlgn="b"/>
+                      <a:r>
+                        <a:rPr lang="en-US" sz="1400" u="none" strike="noStrike">
+                          <a:effectLst/>
+                        </a:rPr>
+                        <a:t>Object-oriented</a:t>
+                      </a:r>
+                      <a:endParaRPr lang="en-US" sz="1400" b="0" i="0" u="none" strike="noStrike">
+                        <a:solidFill>
+                          <a:srgbClr val="000000"/>
+                        </a:solidFill>
+                        <a:effectLst/>
+                        <a:latin typeface="Calibri" panose="020F0502020204030204" pitchFamily="34" charset="0"/>
+                      </a:endParaRPr>
+                    </a:p>
+                  </a:txBody>
+                  <a:tcPr marL="7692" marR="7692" marT="7692" marB="0" anchor="b"/>
+                </a:tc>
+                <a:tc>
+                  <a:txBody>
+                    <a:bodyPr/>
+                    <a:lstStyle/>
+                    <a:p>
+                      <a:pPr algn="l" fontAlgn="ctr"/>
+                      <a:r>
+                        <a:rPr lang="en-US" sz="1400" u="none" strike="noStrike">
+                          <a:effectLst/>
+                        </a:rPr>
+                        <a:t>Treats datafields as objects manipulated through predefined methods only</a:t>
+                      </a:r>
+                      <a:endParaRPr lang="en-US" sz="1400" b="0" i="0" u="none" strike="noStrike">
+                        <a:solidFill>
+                          <a:srgbClr val="222222"/>
+                        </a:solidFill>
+                        <a:effectLst/>
+                        <a:latin typeface="Arial" panose="020B0604020202020204" pitchFamily="34" charset="0"/>
+                      </a:endParaRPr>
+                    </a:p>
+                  </a:txBody>
+                  <a:tcPr marL="7692" marR="7692" marT="7692" marB="0" anchor="ctr"/>
+                </a:tc>
+                <a:tc>
+                  <a:txBody>
+                    <a:bodyPr/>
+                    <a:lstStyle/>
+                    <a:p>
+                      <a:pPr algn="l" fontAlgn="ctr"/>
+                      <a:r>
+                        <a:rPr lang="en-US" sz="1400" u="none" strike="noStrike">
+                          <a:effectLst/>
+                        </a:rPr>
+                        <a:t>Objects, methods, message passing, information hiding, data abstraction, encapsulation, polymorphism, inheritance, serialization-marshalling</a:t>
+                      </a:r>
+                      <a:endParaRPr lang="en-US" sz="1400" b="0" i="0" u="none" strike="noStrike">
+                        <a:solidFill>
+                          <a:srgbClr val="0B0080"/>
+                        </a:solidFill>
+                        <a:effectLst/>
+                        <a:latin typeface="Arial" panose="020B0604020202020204" pitchFamily="34" charset="0"/>
+                      </a:endParaRPr>
+                    </a:p>
+                  </a:txBody>
+                  <a:tcPr marL="7692" marR="7692" marT="7692" marB="0" anchor="ctr"/>
+                </a:tc>
+                <a:tc>
+                  <a:txBody>
+                    <a:bodyPr/>
+                    <a:lstStyle/>
+                    <a:p>
+                      <a:pPr algn="l" fontAlgn="ctr"/>
+                      <a:r>
+                        <a:rPr lang="en-US" sz="1400" u="none" strike="noStrike">
+                          <a:effectLst/>
+                        </a:rPr>
+                        <a:t>Procedural</a:t>
+                      </a:r>
+                      <a:endParaRPr lang="en-US" sz="1400" b="0" i="0" u="none" strike="noStrike">
+                        <a:solidFill>
+                          <a:srgbClr val="222222"/>
+                        </a:solidFill>
+                        <a:effectLst/>
+                        <a:latin typeface="Arial" panose="020B0604020202020204" pitchFamily="34" charset="0"/>
+                      </a:endParaRPr>
+                    </a:p>
+                  </a:txBody>
+                  <a:tcPr marL="7692" marR="7692" marT="7692" marB="0" anchor="ctr"/>
+                </a:tc>
+                <a:tc>
+                  <a:txBody>
+                    <a:bodyPr/>
+                    <a:lstStyle/>
+                    <a:p>
+                      <a:pPr algn="l" fontAlgn="ctr"/>
+                      <a:r>
+                        <a:rPr lang="en-US" sz="1400" u="none" strike="noStrike">
+                          <a:effectLst/>
+                        </a:rPr>
+                        <a:t>Common Lisp, C++, C#, Eiffel, Java, Kotlin, PHP, Python, Ruby, Scala, JavaScript</a:t>
+                      </a:r>
+                      <a:r>
+                        <a:rPr lang="en-US" sz="1400" u="none" strike="noStrike" baseline="30000">
+                          <a:effectLst/>
+                        </a:rPr>
+                        <a:t>[7][8]</a:t>
+                      </a:r>
+                      <a:endParaRPr lang="en-US" sz="1400" b="0" i="0" u="none" strike="noStrike">
+                        <a:solidFill>
+                          <a:srgbClr val="0B0080"/>
+                        </a:solidFill>
+                        <a:effectLst/>
+                        <a:latin typeface="Arial" panose="020B0604020202020204" pitchFamily="34" charset="0"/>
+                      </a:endParaRPr>
+                    </a:p>
+                  </a:txBody>
+                  <a:tcPr marL="7692" marR="7692" marT="7692" marB="0" anchor="ctr"/>
+                </a:tc>
+              </a:tr>
+              <a:tr h="634249">
+                <a:tc>
+                  <a:txBody>
+                    <a:bodyPr/>
+                    <a:lstStyle/>
+                    <a:p>
+                      <a:pPr algn="l" fontAlgn="b"/>
+                      <a:r>
+                        <a:rPr lang="en-US" sz="1400" u="none" strike="noStrike">
+                          <a:effectLst/>
+                        </a:rPr>
+                        <a:t>Declarative</a:t>
+                      </a:r>
+                      <a:endParaRPr lang="en-US" sz="1400" b="0" i="0" u="none" strike="noStrike">
+                        <a:solidFill>
+                          <a:srgbClr val="000000"/>
+                        </a:solidFill>
+                        <a:effectLst/>
+                        <a:latin typeface="Calibri" panose="020F0502020204030204" pitchFamily="34" charset="0"/>
+                      </a:endParaRPr>
+                    </a:p>
+                  </a:txBody>
+                  <a:tcPr marL="7692" marR="7692" marT="7692" marB="0" anchor="b"/>
+                </a:tc>
+                <a:tc>
+                  <a:txBody>
+                    <a:bodyPr/>
+                    <a:lstStyle/>
+                    <a:p>
+                      <a:pPr algn="l" fontAlgn="b"/>
+                      <a:r>
+                        <a:rPr lang="en-US" sz="1400" u="none" strike="noStrike">
+                          <a:effectLst/>
+                        </a:rPr>
+                        <a:t>Defines program logic, but not detailed control flow</a:t>
+                      </a:r>
+                      <a:endParaRPr lang="en-US" sz="1400" b="0" i="0" u="none" strike="noStrike">
+                        <a:solidFill>
+                          <a:srgbClr val="000000"/>
+                        </a:solidFill>
+                        <a:effectLst/>
+                        <a:latin typeface="Calibri" panose="020F0502020204030204" pitchFamily="34" charset="0"/>
+                      </a:endParaRPr>
+                    </a:p>
+                  </a:txBody>
+                  <a:tcPr marL="7692" marR="7692" marT="7692" marB="0" anchor="b"/>
+                </a:tc>
+                <a:tc>
+                  <a:txBody>
+                    <a:bodyPr/>
+                    <a:lstStyle/>
+                    <a:p>
+                      <a:pPr algn="l" fontAlgn="ctr"/>
+                      <a:r>
+                        <a:rPr lang="en-US" sz="1400" u="none" strike="noStrike">
+                          <a:effectLst/>
+                        </a:rPr>
+                        <a:t>Fourth-generation languages, spreadsheets, report program generators</a:t>
+                      </a:r>
+                      <a:endParaRPr lang="en-US" sz="1400" b="0" i="0" u="none" strike="noStrike">
+                        <a:solidFill>
+                          <a:srgbClr val="0B0080"/>
+                        </a:solidFill>
+                        <a:effectLst/>
+                        <a:latin typeface="Arial" panose="020B0604020202020204" pitchFamily="34" charset="0"/>
+                      </a:endParaRPr>
+                    </a:p>
+                  </a:txBody>
+                  <a:tcPr marL="7692" marR="7692" marT="7692" marB="0" anchor="ctr"/>
+                </a:tc>
+                <a:tc>
+                  <a:txBody>
+                    <a:bodyPr/>
+                    <a:lstStyle/>
+                    <a:p>
+                      <a:pPr algn="l" fontAlgn="ctr"/>
+                      <a:r>
+                        <a:rPr lang="en-US" sz="1400" u="none" strike="noStrike">
+                          <a:effectLst/>
+                        </a:rPr>
+                        <a:t> </a:t>
+                      </a:r>
+                      <a:endParaRPr lang="en-US" sz="1400" b="0" i="0" u="none" strike="noStrike">
+                        <a:solidFill>
+                          <a:srgbClr val="222222"/>
+                        </a:solidFill>
+                        <a:effectLst/>
+                        <a:latin typeface="Arial" panose="020B0604020202020204" pitchFamily="34" charset="0"/>
+                      </a:endParaRPr>
+                    </a:p>
+                  </a:txBody>
+                  <a:tcPr marL="7692" marR="7692" marT="7692" marB="0" anchor="ctr"/>
+                </a:tc>
+                <a:tc>
+                  <a:txBody>
+                    <a:bodyPr/>
+                    <a:lstStyle/>
+                    <a:p>
+                      <a:pPr algn="l" fontAlgn="ctr"/>
+                      <a:r>
+                        <a:rPr lang="en-US" sz="1400" u="none" strike="noStrike">
+                          <a:effectLst/>
+                        </a:rPr>
+                        <a:t>SQL, regular expressions, Prolog, OWL, SPARQL</a:t>
+                      </a:r>
+                      <a:endParaRPr lang="en-US" sz="1400" b="0" i="0" u="none" strike="noStrike">
+                        <a:solidFill>
+                          <a:srgbClr val="0B0080"/>
+                        </a:solidFill>
+                        <a:effectLst/>
+                        <a:latin typeface="Arial" panose="020B0604020202020204" pitchFamily="34" charset="0"/>
+                      </a:endParaRPr>
+                    </a:p>
+                  </a:txBody>
+                  <a:tcPr marL="7692" marR="7692" marT="7692" marB="0" anchor="ctr"/>
+                </a:tc>
+              </a:tr>
+              <a:tr h="634249">
+                <a:tc>
+                  <a:txBody>
+                    <a:bodyPr/>
+                    <a:lstStyle/>
+                    <a:p>
+                      <a:pPr algn="l" fontAlgn="b"/>
+                      <a:r>
+                        <a:rPr lang="en-US" sz="1400" u="none" strike="noStrike">
+                          <a:effectLst/>
+                        </a:rPr>
+                        <a:t>Automata-based programming</a:t>
+                      </a:r>
+                      <a:endParaRPr lang="en-US" sz="1400" b="0" i="0" u="none" strike="noStrike">
+                        <a:solidFill>
+                          <a:srgbClr val="000000"/>
+                        </a:solidFill>
+                        <a:effectLst/>
+                        <a:latin typeface="Calibri" panose="020F0502020204030204" pitchFamily="34" charset="0"/>
+                      </a:endParaRPr>
+                    </a:p>
+                  </a:txBody>
+                  <a:tcPr marL="7692" marR="7692" marT="7692" marB="0" anchor="b"/>
+                </a:tc>
+                <a:tc>
+                  <a:txBody>
+                    <a:bodyPr/>
+                    <a:lstStyle/>
+                    <a:p>
+                      <a:pPr algn="l" fontAlgn="b"/>
+                      <a:r>
+                        <a:rPr lang="en-US" sz="1400" u="none" strike="noStrike">
+                          <a:effectLst/>
+                        </a:rPr>
+                        <a:t>Treats programs as a model of a finite state machine or any other formal automata</a:t>
+                      </a:r>
+                      <a:endParaRPr lang="en-US" sz="1400" b="0" i="0" u="none" strike="noStrike">
+                        <a:solidFill>
+                          <a:srgbClr val="000000"/>
+                        </a:solidFill>
+                        <a:effectLst/>
+                        <a:latin typeface="Calibri" panose="020F0502020204030204" pitchFamily="34" charset="0"/>
+                      </a:endParaRPr>
+                    </a:p>
+                  </a:txBody>
+                  <a:tcPr marL="7692" marR="7692" marT="7692" marB="0" anchor="b"/>
+                </a:tc>
+                <a:tc>
+                  <a:txBody>
+                    <a:bodyPr/>
+                    <a:lstStyle/>
+                    <a:p>
+                      <a:pPr algn="l" fontAlgn="ctr"/>
+                      <a:r>
+                        <a:rPr lang="en-US" sz="1400" u="none" strike="noStrike">
+                          <a:effectLst/>
+                        </a:rPr>
+                        <a:t>State enumeration, control variable, state changes, isomorphism, state transition table</a:t>
+                      </a:r>
+                      <a:endParaRPr lang="en-US" sz="1400" b="0" i="0" u="none" strike="noStrike">
+                        <a:solidFill>
+                          <a:srgbClr val="222222"/>
+                        </a:solidFill>
+                        <a:effectLst/>
+                        <a:latin typeface="Arial" panose="020B0604020202020204" pitchFamily="34" charset="0"/>
+                      </a:endParaRPr>
+                    </a:p>
+                  </a:txBody>
+                  <a:tcPr marL="7692" marR="7692" marT="7692" marB="0" anchor="ctr"/>
+                </a:tc>
+                <a:tc>
+                  <a:txBody>
+                    <a:bodyPr/>
+                    <a:lstStyle/>
+                    <a:p>
+                      <a:pPr algn="l" fontAlgn="ctr"/>
+                      <a:r>
+                        <a:rPr lang="en-US" sz="1400" u="none" strike="noStrike">
+                          <a:effectLst/>
+                        </a:rPr>
+                        <a:t>Imperative, event-driven</a:t>
+                      </a:r>
+                      <a:endParaRPr lang="en-US" sz="1400" b="0" i="0" u="none" strike="noStrike">
+                        <a:solidFill>
+                          <a:srgbClr val="222222"/>
+                        </a:solidFill>
+                        <a:effectLst/>
+                        <a:latin typeface="Arial" panose="020B0604020202020204" pitchFamily="34" charset="0"/>
+                      </a:endParaRPr>
+                    </a:p>
+                  </a:txBody>
+                  <a:tcPr marL="7692" marR="7692" marT="7692" marB="0" anchor="ctr"/>
+                </a:tc>
+                <a:tc>
+                  <a:txBody>
+                    <a:bodyPr/>
+                    <a:lstStyle/>
+                    <a:p>
+                      <a:pPr algn="l" fontAlgn="b"/>
+                      <a:r>
+                        <a:rPr lang="en-US" sz="1400" u="none" strike="noStrike" dirty="0">
+                          <a:effectLst/>
+                        </a:rPr>
+                        <a:t>Abstract State Machine Language</a:t>
+                      </a:r>
+                      <a:endParaRPr lang="en-US" sz="1400" b="0" i="0" u="none" strike="noStrike" dirty="0">
+                        <a:solidFill>
+                          <a:srgbClr val="000000"/>
+                        </a:solidFill>
+                        <a:effectLst/>
+                        <a:latin typeface="Calibri" panose="020F0502020204030204" pitchFamily="34" charset="0"/>
+                      </a:endParaRPr>
+                    </a:p>
+                  </a:txBody>
+                  <a:tcPr marL="7692" marR="7692" marT="7692" marB="0" anchor="b"/>
+                </a:tc>
+              </a:tr>
+            </a:tbl>
+          </a:graphicData>
+        </a:graphic>
+      </p:graphicFrame>
     </p:spTree>
     <p:extLst>
       <p:ext uri="{BB962C8B-B14F-4D97-AF65-F5344CB8AC3E}">
-        <p14:creationId xmlns:p14="http://schemas.microsoft.com/office/powerpoint/2010/main" val="3997132785"/>
+        <p14:creationId xmlns:p14="http://schemas.microsoft.com/office/powerpoint/2010/main" val="4002629646"/>
       </p:ext>
     </p:extLst>
   </p:cSld>
